--- a/_자료/4_WinAPI/WinAPI.pptx
+++ b/_자료/4_WinAPI/WinAPI.pptx
@@ -786,7 +786,7 @@
             <a:fld id="{FB30EDBD-1C2D-4C1E-B459-B60219FAB484}" type="datetimeFigureOut">
               <a:rPr lang="ko-KR" altLang="en-US" smtClean="0"/>
               <a:pPr/>
-              <a:t>2021-05-20</a:t>
+              <a:t>2021-05-27</a:t>
             </a:fld>
             <a:endParaRPr lang="ko-KR" altLang="en-US"/>
           </a:p>
@@ -978,7 +978,7 @@
             <a:fld id="{FB30EDBD-1C2D-4C1E-B459-B60219FAB484}" type="datetimeFigureOut">
               <a:rPr lang="ko-KR" altLang="en-US" smtClean="0"/>
               <a:pPr/>
-              <a:t>2021-05-20</a:t>
+              <a:t>2021-05-27</a:t>
             </a:fld>
             <a:endParaRPr lang="ko-KR" altLang="en-US"/>
           </a:p>
@@ -1155,7 +1155,7 @@
             <a:fld id="{FB30EDBD-1C2D-4C1E-B459-B60219FAB484}" type="datetimeFigureOut">
               <a:rPr lang="ko-KR" altLang="en-US" smtClean="0"/>
               <a:pPr/>
-              <a:t>2021-05-20</a:t>
+              <a:t>2021-05-27</a:t>
             </a:fld>
             <a:endParaRPr lang="ko-KR" altLang="en-US"/>
           </a:p>
@@ -1299,7 +1299,7 @@
             <a:fld id="{FB30EDBD-1C2D-4C1E-B459-B60219FAB484}" type="datetimeFigureOut">
               <a:rPr lang="ko-KR" altLang="en-US" smtClean="0"/>
               <a:pPr/>
-              <a:t>2021-05-20</a:t>
+              <a:t>2021-05-27</a:t>
             </a:fld>
             <a:endParaRPr lang="ko-KR" altLang="en-US"/>
           </a:p>
@@ -1548,7 +1548,7 @@
             <a:fld id="{FB30EDBD-1C2D-4C1E-B459-B60219FAB484}" type="datetimeFigureOut">
               <a:rPr lang="ko-KR" altLang="en-US" smtClean="0"/>
               <a:pPr/>
-              <a:t>2021-05-20</a:t>
+              <a:t>2021-05-27</a:t>
             </a:fld>
             <a:endParaRPr lang="ko-KR" altLang="en-US"/>
           </a:p>
@@ -1949,7 +1949,7 @@
             <a:fld id="{FB30EDBD-1C2D-4C1E-B459-B60219FAB484}" type="datetimeFigureOut">
               <a:rPr lang="ko-KR" altLang="en-US" smtClean="0"/>
               <a:pPr/>
-              <a:t>2021-05-20</a:t>
+              <a:t>2021-05-27</a:t>
             </a:fld>
             <a:endParaRPr lang="ko-KR" altLang="en-US"/>
           </a:p>
@@ -2389,7 +2389,7 @@
             <a:fld id="{FB30EDBD-1C2D-4C1E-B459-B60219FAB484}" type="datetimeFigureOut">
               <a:rPr lang="ko-KR" altLang="en-US" smtClean="0"/>
               <a:pPr/>
-              <a:t>2021-05-20</a:t>
+              <a:t>2021-05-27</a:t>
             </a:fld>
             <a:endParaRPr lang="ko-KR" altLang="en-US"/>
           </a:p>
@@ -2486,7 +2486,7 @@
             <a:fld id="{FB30EDBD-1C2D-4C1E-B459-B60219FAB484}" type="datetimeFigureOut">
               <a:rPr lang="ko-KR" altLang="en-US" smtClean="0"/>
               <a:pPr/>
-              <a:t>2021-05-20</a:t>
+              <a:t>2021-05-27</a:t>
             </a:fld>
             <a:endParaRPr lang="ko-KR" altLang="en-US"/>
           </a:p>
@@ -2601,7 +2601,7 @@
             <a:fld id="{FB30EDBD-1C2D-4C1E-B459-B60219FAB484}" type="datetimeFigureOut">
               <a:rPr lang="ko-KR" altLang="en-US" smtClean="0"/>
               <a:pPr/>
-              <a:t>2021-05-20</a:t>
+              <a:t>2021-05-27</a:t>
             </a:fld>
             <a:endParaRPr lang="ko-KR" altLang="en-US"/>
           </a:p>
@@ -2871,7 +2871,7 @@
             <a:fld id="{FB30EDBD-1C2D-4C1E-B459-B60219FAB484}" type="datetimeFigureOut">
               <a:rPr lang="ko-KR" altLang="en-US" smtClean="0"/>
               <a:pPr/>
-              <a:t>2021-05-20</a:t>
+              <a:t>2021-05-27</a:t>
             </a:fld>
             <a:endParaRPr lang="ko-KR" altLang="en-US"/>
           </a:p>
@@ -3074,7 +3074,7 @@
             <a:fld id="{FB30EDBD-1C2D-4C1E-B459-B60219FAB484}" type="datetimeFigureOut">
               <a:rPr lang="ko-KR" altLang="en-US" smtClean="0"/>
               <a:pPr/>
-              <a:t>2021-05-20</a:t>
+              <a:t>2021-05-27</a:t>
             </a:fld>
             <a:endParaRPr lang="ko-KR" altLang="en-US"/>
           </a:p>
@@ -4165,7 +4165,7 @@
             <a:fld id="{FB30EDBD-1C2D-4C1E-B459-B60219FAB484}" type="datetimeFigureOut">
               <a:rPr lang="ko-KR" altLang="en-US" smtClean="0"/>
               <a:pPr/>
-              <a:t>2021-05-20</a:t>
+              <a:t>2021-05-27</a:t>
             </a:fld>
             <a:endParaRPr lang="ko-KR" altLang="en-US"/>
           </a:p>
@@ -21880,21 +21880,24 @@
               <a:buChar char="⁻"/>
             </a:pPr>
             <a:r>
-              <a:rPr lang="ko-KR" altLang="en-US" sz="1600" dirty="0" smtClean="0">
+              <a:rPr lang="ko-KR" altLang="en-US" sz="1800" b="1" dirty="0" smtClean="0">
+                <a:solidFill>
+                  <a:srgbClr val="FF0000"/>
+                </a:solidFill>
                 <a:latin typeface="돋움체"/>
                 <a:ea typeface="돋움체"/>
               </a:rPr>
               <a:t>외부 참조 오류 방생 시</a:t>
             </a:r>
             <a:r>
-              <a:rPr lang="en-US" altLang="ko-KR" sz="1600" dirty="0" smtClean="0">
+              <a:rPr lang="en-US" altLang="ko-KR" sz="1800" dirty="0" smtClean="0">
                 <a:latin typeface="돋움체"/>
                 <a:ea typeface="돋움체"/>
               </a:rPr>
               <a:t> </a:t>
             </a:r>
             <a:r>
-              <a:rPr lang="en-US" altLang="ko-KR" sz="1600" b="1" dirty="0" smtClean="0">
+              <a:rPr lang="en-US" altLang="ko-KR" sz="1800" b="1" dirty="0" smtClean="0">
                 <a:solidFill>
                   <a:srgbClr val="808080"/>
                 </a:solidFill>
@@ -21904,7 +21907,7 @@
               <a:t>#</a:t>
             </a:r>
             <a:r>
-              <a:rPr lang="en-US" altLang="ko-KR" sz="1600" b="1" dirty="0" err="1" smtClean="0">
+              <a:rPr lang="en-US" altLang="ko-KR" sz="1800" b="1" dirty="0" err="1" smtClean="0">
                 <a:solidFill>
                   <a:srgbClr val="808080"/>
                 </a:solidFill>
@@ -21914,7 +21917,7 @@
               <a:t>pragma</a:t>
             </a:r>
             <a:r>
-              <a:rPr lang="en-US" altLang="ko-KR" sz="1600" b="1" dirty="0" smtClean="0">
+              <a:rPr lang="en-US" altLang="ko-KR" sz="1800" b="1" dirty="0" smtClean="0">
                 <a:solidFill>
                   <a:srgbClr val="000000"/>
                 </a:solidFill>
@@ -21924,7 +21927,7 @@
               <a:t> </a:t>
             </a:r>
             <a:r>
-              <a:rPr lang="en-US" altLang="ko-KR" sz="1600" b="1" dirty="0" smtClean="0">
+              <a:rPr lang="en-US" altLang="ko-KR" sz="1800" b="1" dirty="0" smtClean="0">
                 <a:solidFill>
                   <a:srgbClr val="808080"/>
                 </a:solidFill>
@@ -21934,7 +21937,7 @@
               <a:t>comment</a:t>
             </a:r>
             <a:r>
-              <a:rPr lang="en-US" altLang="ko-KR" sz="1600" b="1" dirty="0" smtClean="0">
+              <a:rPr lang="en-US" altLang="ko-KR" sz="1800" b="1" dirty="0" smtClean="0">
                 <a:solidFill>
                   <a:srgbClr val="000000"/>
                 </a:solidFill>
@@ -21944,7 +21947,7 @@
               <a:t>(</a:t>
             </a:r>
             <a:r>
-              <a:rPr lang="en-US" altLang="ko-KR" sz="1600" b="1" dirty="0" smtClean="0">
+              <a:rPr lang="en-US" altLang="ko-KR" sz="1800" b="1" dirty="0" smtClean="0">
                 <a:solidFill>
                   <a:srgbClr val="808080"/>
                 </a:solidFill>
@@ -21954,7 +21957,7 @@
               <a:t>lib</a:t>
             </a:r>
             <a:r>
-              <a:rPr lang="en-US" altLang="ko-KR" sz="1600" b="1" dirty="0" smtClean="0">
+              <a:rPr lang="en-US" altLang="ko-KR" sz="1800" b="1" dirty="0" smtClean="0">
                 <a:solidFill>
                   <a:srgbClr val="000000"/>
                 </a:solidFill>
@@ -21964,7 +21967,7 @@
               <a:t>, </a:t>
             </a:r>
             <a:r>
-              <a:rPr lang="en-US" altLang="ko-KR" sz="1600" b="1" dirty="0" smtClean="0">
+              <a:rPr lang="en-US" altLang="ko-KR" sz="1800" b="1" dirty="0" smtClean="0">
                 <a:solidFill>
                   <a:srgbClr val="A31515"/>
                 </a:solidFill>
@@ -21974,7 +21977,7 @@
               <a:t>"msimg32.lib"</a:t>
             </a:r>
             <a:r>
-              <a:rPr lang="en-US" altLang="ko-KR" sz="1600" b="1" dirty="0" smtClean="0">
+              <a:rPr lang="en-US" altLang="ko-KR" sz="1800" b="1" dirty="0" smtClean="0">
                 <a:solidFill>
                   <a:srgbClr val="000000"/>
                 </a:solidFill>
@@ -21984,7 +21987,7 @@
               <a:t>)</a:t>
             </a:r>
             <a:r>
-              <a:rPr lang="en-US" altLang="ko-KR" sz="1600" dirty="0" smtClean="0">
+              <a:rPr lang="en-US" altLang="ko-KR" sz="1800" dirty="0" smtClean="0">
                 <a:solidFill>
                   <a:srgbClr val="000000"/>
                 </a:solidFill>
@@ -21994,7 +21997,7 @@
               <a:t> </a:t>
             </a:r>
             <a:r>
-              <a:rPr lang="ko-KR" altLang="en-US" sz="1600" dirty="0" smtClean="0">
+              <a:rPr lang="ko-KR" altLang="en-US" sz="1800" dirty="0" smtClean="0">
                 <a:solidFill>
                   <a:srgbClr val="000000"/>
                 </a:solidFill>
@@ -22003,7 +22006,7 @@
               </a:rPr>
               <a:t>추가</a:t>
             </a:r>
-            <a:endParaRPr lang="en-US" altLang="ko-KR" sz="1600" dirty="0" smtClean="0">
+            <a:endParaRPr lang="en-US" altLang="ko-KR" sz="1800" dirty="0" smtClean="0">
               <a:solidFill>
                 <a:srgbClr val="000000"/>
               </a:solidFill>
